--- a/python/_reference/environment.pptx
+++ b/python/_reference/environment.pptx
@@ -213,7 +213,7 @@
           <a:p>
             <a:fld id="{013D7D23-95FE-4191-B08D-3CBB1E1CEEFE}" type="datetimeFigureOut">
               <a:rPr lang="pt-PT" smtClean="0"/>
-              <a:t>22/10/2024</a:t>
+              <a:t>30/01/2025</a:t>
             </a:fld>
             <a:endParaRPr lang="pt-PT" dirty="0"/>
           </a:p>
@@ -612,7 +612,7 @@
           <a:p>
             <a:fld id="{5C0ED97C-8255-4BAC-9D42-1F6A6651E287}" type="datetime1">
               <a:rPr lang="pt-PT" smtClean="0"/>
-              <a:t>22/10/2024</a:t>
+              <a:t>30/01/2025</a:t>
             </a:fld>
             <a:endParaRPr lang="pt-PT" dirty="0"/>
           </a:p>
@@ -782,7 +782,7 @@
           <a:p>
             <a:fld id="{4FCC8996-E467-4FE1-B165-4002860D0AC7}" type="datetime1">
               <a:rPr lang="pt-PT" smtClean="0"/>
-              <a:t>22/10/2024</a:t>
+              <a:t>30/01/2025</a:t>
             </a:fld>
             <a:endParaRPr lang="pt-PT" dirty="0"/>
           </a:p>
@@ -962,7 +962,7 @@
           <a:p>
             <a:fld id="{C104532E-E792-4BF5-B399-9E5E16070233}" type="datetime1">
               <a:rPr lang="pt-PT" smtClean="0"/>
-              <a:t>22/10/2024</a:t>
+              <a:t>30/01/2025</a:t>
             </a:fld>
             <a:endParaRPr lang="pt-PT" dirty="0"/>
           </a:p>
@@ -1172,7 +1172,7 @@
           <a:p>
             <a:fld id="{FF4AF87E-A15D-4480-B791-15D75F8AF848}" type="datetimeFigureOut">
               <a:rPr lang="pt-PT" smtClean="0"/>
-              <a:t>22/10/2024</a:t>
+              <a:t>30/01/2025</a:t>
             </a:fld>
             <a:endParaRPr lang="pt-PT"/>
           </a:p>
@@ -1372,7 +1372,7 @@
           <a:p>
             <a:fld id="{FF4AF87E-A15D-4480-B791-15D75F8AF848}" type="datetimeFigureOut">
               <a:rPr lang="pt-PT" smtClean="0"/>
-              <a:t>22/10/2024</a:t>
+              <a:t>30/01/2025</a:t>
             </a:fld>
             <a:endParaRPr lang="pt-PT"/>
           </a:p>
@@ -1648,7 +1648,7 @@
           <a:p>
             <a:fld id="{FF4AF87E-A15D-4480-B791-15D75F8AF848}" type="datetimeFigureOut">
               <a:rPr lang="pt-PT" smtClean="0"/>
-              <a:t>22/10/2024</a:t>
+              <a:t>30/01/2025</a:t>
             </a:fld>
             <a:endParaRPr lang="pt-PT"/>
           </a:p>
@@ -1916,7 +1916,7 @@
           <a:p>
             <a:fld id="{FF4AF87E-A15D-4480-B791-15D75F8AF848}" type="datetimeFigureOut">
               <a:rPr lang="pt-PT" smtClean="0"/>
-              <a:t>22/10/2024</a:t>
+              <a:t>30/01/2025</a:t>
             </a:fld>
             <a:endParaRPr lang="pt-PT"/>
           </a:p>
@@ -2331,7 +2331,7 @@
           <a:p>
             <a:fld id="{FF4AF87E-A15D-4480-B791-15D75F8AF848}" type="datetimeFigureOut">
               <a:rPr lang="pt-PT" smtClean="0"/>
-              <a:t>22/10/2024</a:t>
+              <a:t>30/01/2025</a:t>
             </a:fld>
             <a:endParaRPr lang="pt-PT"/>
           </a:p>
@@ -2473,7 +2473,7 @@
           <a:p>
             <a:fld id="{FF4AF87E-A15D-4480-B791-15D75F8AF848}" type="datetimeFigureOut">
               <a:rPr lang="pt-PT" smtClean="0"/>
-              <a:t>22/10/2024</a:t>
+              <a:t>30/01/2025</a:t>
             </a:fld>
             <a:endParaRPr lang="pt-PT"/>
           </a:p>
@@ -2586,7 +2586,7 @@
           <a:p>
             <a:fld id="{FF4AF87E-A15D-4480-B791-15D75F8AF848}" type="datetimeFigureOut">
               <a:rPr lang="pt-PT" smtClean="0"/>
-              <a:t>22/10/2024</a:t>
+              <a:t>30/01/2025</a:t>
             </a:fld>
             <a:endParaRPr lang="pt-PT"/>
           </a:p>
@@ -2899,7 +2899,7 @@
           <a:p>
             <a:fld id="{FF4AF87E-A15D-4480-B791-15D75F8AF848}" type="datetimeFigureOut">
               <a:rPr lang="pt-PT" smtClean="0"/>
-              <a:t>22/10/2024</a:t>
+              <a:t>30/01/2025</a:t>
             </a:fld>
             <a:endParaRPr lang="pt-PT"/>
           </a:p>
@@ -3081,7 +3081,7 @@
           <a:p>
             <a:fld id="{5FC36660-F7C2-4C37-BD61-E2E985519A54}" type="datetime1">
               <a:rPr lang="pt-PT" smtClean="0"/>
-              <a:t>22/10/2024</a:t>
+              <a:t>30/01/2025</a:t>
             </a:fld>
             <a:endParaRPr lang="pt-PT" dirty="0"/>
           </a:p>
@@ -3358,7 +3358,7 @@
           <a:p>
             <a:fld id="{FF4AF87E-A15D-4480-B791-15D75F8AF848}" type="datetimeFigureOut">
               <a:rPr lang="pt-PT" smtClean="0"/>
-              <a:t>22/10/2024</a:t>
+              <a:t>30/01/2025</a:t>
             </a:fld>
             <a:endParaRPr lang="pt-PT"/>
           </a:p>
@@ -3558,7 +3558,7 @@
           <a:p>
             <a:fld id="{FF4AF87E-A15D-4480-B791-15D75F8AF848}" type="datetimeFigureOut">
               <a:rPr lang="pt-PT" smtClean="0"/>
-              <a:t>22/10/2024</a:t>
+              <a:t>30/01/2025</a:t>
             </a:fld>
             <a:endParaRPr lang="pt-PT"/>
           </a:p>
@@ -3768,7 +3768,7 @@
           <a:p>
             <a:fld id="{FF4AF87E-A15D-4480-B791-15D75F8AF848}" type="datetimeFigureOut">
               <a:rPr lang="pt-PT" smtClean="0"/>
-              <a:t>22/10/2024</a:t>
+              <a:t>30/01/2025</a:t>
             </a:fld>
             <a:endParaRPr lang="pt-PT"/>
           </a:p>
@@ -4026,7 +4026,7 @@
           <a:p>
             <a:fld id="{EC1C553A-1723-4842-A3DB-E76BD21F5C6D}" type="datetime1">
               <a:rPr lang="pt-PT" smtClean="0"/>
-              <a:t>22/10/2024</a:t>
+              <a:t>30/01/2025</a:t>
             </a:fld>
             <a:endParaRPr lang="pt-PT" dirty="0"/>
           </a:p>
@@ -4258,7 +4258,7 @@
           <a:p>
             <a:fld id="{CE9B351E-3840-4886-B007-BC84D7C14686}" type="datetime1">
               <a:rPr lang="pt-PT" smtClean="0"/>
-              <a:t>22/10/2024</a:t>
+              <a:t>30/01/2025</a:t>
             </a:fld>
             <a:endParaRPr lang="pt-PT" dirty="0"/>
           </a:p>
@@ -4625,7 +4625,7 @@
           <a:p>
             <a:fld id="{C8686839-F4ED-436E-9AC9-AC7A0A0CD179}" type="datetime1">
               <a:rPr lang="pt-PT" smtClean="0"/>
-              <a:t>22/10/2024</a:t>
+              <a:t>30/01/2025</a:t>
             </a:fld>
             <a:endParaRPr lang="pt-PT" dirty="0"/>
           </a:p>
@@ -4743,7 +4743,7 @@
           <a:p>
             <a:fld id="{2AB82247-1A7C-4F98-8F33-5E4D07EFBF12}" type="datetime1">
               <a:rPr lang="pt-PT" smtClean="0"/>
-              <a:t>22/10/2024</a:t>
+              <a:t>30/01/2025</a:t>
             </a:fld>
             <a:endParaRPr lang="pt-PT" dirty="0"/>
           </a:p>
@@ -4838,7 +4838,7 @@
           <a:p>
             <a:fld id="{AFE320DE-3391-4A27-9653-F2BD505B9A08}" type="datetime1">
               <a:rPr lang="pt-PT" smtClean="0"/>
-              <a:t>22/10/2024</a:t>
+              <a:t>30/01/2025</a:t>
             </a:fld>
             <a:endParaRPr lang="pt-PT" dirty="0"/>
           </a:p>
@@ -5115,7 +5115,7 @@
           <a:p>
             <a:fld id="{E69250C8-88B2-4209-BD56-05813AC521DC}" type="datetime1">
               <a:rPr lang="pt-PT" smtClean="0"/>
-              <a:t>22/10/2024</a:t>
+              <a:t>30/01/2025</a:t>
             </a:fld>
             <a:endParaRPr lang="pt-PT" dirty="0"/>
           </a:p>
@@ -5368,7 +5368,7 @@
           <a:p>
             <a:fld id="{0B847055-2F12-42A4-9432-334276564B1D}" type="datetime1">
               <a:rPr lang="pt-PT" smtClean="0"/>
-              <a:t>22/10/2024</a:t>
+              <a:t>30/01/2025</a:t>
             </a:fld>
             <a:endParaRPr lang="pt-PT" dirty="0"/>
           </a:p>
@@ -5581,7 +5581,7 @@
           <a:p>
             <a:fld id="{B0883CD8-EC5B-4369-8F97-BE1E84F10887}" type="datetime1">
               <a:rPr lang="pt-PT" smtClean="0"/>
-              <a:t>22/10/2024</a:t>
+              <a:t>30/01/2025</a:t>
             </a:fld>
             <a:endParaRPr lang="pt-PT" dirty="0"/>
           </a:p>
@@ -6140,7 +6140,7 @@
           <a:p>
             <a:fld id="{FF4AF87E-A15D-4480-B791-15D75F8AF848}" type="datetimeFigureOut">
               <a:rPr lang="pt-PT" smtClean="0"/>
-              <a:t>22/10/2024</a:t>
+              <a:t>30/01/2025</a:t>
             </a:fld>
             <a:endParaRPr lang="pt-PT"/>
           </a:p>
@@ -17279,6 +17279,142 @@
           </p:txBody>
         </p:sp>
       </p:grpSp>
+      <p:grpSp>
+        <p:nvGrpSpPr>
+          <p:cNvPr id="44" name="Group 43">
+            <a:extLst>
+              <a:ext uri="{FF2B5EF4-FFF2-40B4-BE49-F238E27FC236}">
+                <a16:creationId xmlns:a16="http://schemas.microsoft.com/office/drawing/2014/main" id="{975F44D9-7012-1C34-6E0F-8437256D0720}"/>
+              </a:ext>
+            </a:extLst>
+          </p:cNvPr>
+          <p:cNvGrpSpPr/>
+          <p:nvPr/>
+        </p:nvGrpSpPr>
+        <p:grpSpPr>
+          <a:xfrm>
+            <a:off x="3733789" y="5405407"/>
+            <a:ext cx="1120347" cy="286297"/>
+            <a:chOff x="2738297" y="4386269"/>
+            <a:chExt cx="1120347" cy="286297"/>
+          </a:xfrm>
+        </p:grpSpPr>
+        <p:pic>
+          <p:nvPicPr>
+            <p:cNvPr id="48" name="Picture 47">
+              <a:extLst>
+                <a:ext uri="{FF2B5EF4-FFF2-40B4-BE49-F238E27FC236}">
+                  <a16:creationId xmlns:a16="http://schemas.microsoft.com/office/drawing/2014/main" id="{143C7D85-C278-DDEB-0182-5E3A64F81E78}"/>
+                </a:ext>
+              </a:extLst>
+            </p:cNvPr>
+            <p:cNvPicPr>
+              <a:picLocks noChangeAspect="1"/>
+            </p:cNvPicPr>
+            <p:nvPr/>
+          </p:nvPicPr>
+          <p:blipFill>
+            <a:blip r:embed="rId12">
+              <a:clrChange>
+                <a:clrFrom>
+                  <a:srgbClr val="1E1F20"/>
+                </a:clrFrom>
+                <a:clrTo>
+                  <a:srgbClr val="1E1F20">
+                    <a:alpha val="0"/>
+                  </a:srgbClr>
+                </a:clrTo>
+              </a:clrChange>
+            </a:blip>
+            <a:stretch>
+              <a:fillRect/>
+            </a:stretch>
+          </p:blipFill>
+          <p:spPr>
+            <a:xfrm>
+              <a:off x="2738297" y="4386269"/>
+              <a:ext cx="217052" cy="274320"/>
+            </a:xfrm>
+            <a:prstGeom prst="rect">
+              <a:avLst/>
+            </a:prstGeom>
+          </p:spPr>
+        </p:pic>
+        <p:sp>
+          <p:nvSpPr>
+            <p:cNvPr id="49" name="Retângulo 5">
+              <a:extLst>
+                <a:ext uri="{FF2B5EF4-FFF2-40B4-BE49-F238E27FC236}">
+                  <a16:creationId xmlns:a16="http://schemas.microsoft.com/office/drawing/2014/main" id="{C8456608-D861-CFCB-36D4-CCE841AD2C36}"/>
+                </a:ext>
+              </a:extLst>
+            </p:cNvPr>
+            <p:cNvSpPr/>
+            <p:nvPr/>
+          </p:nvSpPr>
+          <p:spPr>
+            <a:xfrm>
+              <a:off x="2928581" y="4395567"/>
+              <a:ext cx="930063" cy="276999"/>
+            </a:xfrm>
+            <a:prstGeom prst="rect">
+              <a:avLst/>
+            </a:prstGeom>
+          </p:spPr>
+          <p:txBody>
+            <a:bodyPr wrap="none">
+              <a:spAutoFit/>
+            </a:bodyPr>
+            <a:lstStyle/>
+            <a:p>
+              <a:pPr marL="0" marR="0" lvl="0" indent="0" defTabSz="914369" eaLnBrk="1" fontAlgn="auto" latinLnBrk="0" hangingPunct="1">
+                <a:lnSpc>
+                  <a:spcPct val="100000"/>
+                </a:lnSpc>
+                <a:spcBef>
+                  <a:spcPts val="0"/>
+                </a:spcBef>
+                <a:spcAft>
+                  <a:spcPts val="0"/>
+                </a:spcAft>
+                <a:buClrTx/>
+                <a:buSzTx/>
+                <a:buFontTx/>
+                <a:buNone/>
+                <a:tabLst/>
+                <a:defRPr/>
+              </a:pPr>
+              <a:r>
+                <a:rPr kumimoji="0" lang="en-US" sz="1200" b="0" i="0" u="none" strike="noStrike" kern="0" cap="none" spc="0" normalizeH="0" baseline="0" noProof="0" dirty="0">
+                  <a:ln>
+                    <a:noFill/>
+                  </a:ln>
+                  <a:solidFill>
+                    <a:prstClr val="white"/>
+                  </a:solidFill>
+                  <a:effectLst/>
+                  <a:uLnTx/>
+                  <a:uFillTx/>
+                  <a:latin typeface="Calibri Light" panose="020F0302020204030204"/>
+                  <a:hlinkClick r:id="rId19" action="ppaction://hlinksldjump"/>
+                </a:rPr>
+                <a:t>deployment</a:t>
+              </a:r>
+              <a:endParaRPr kumimoji="0" lang="en-US" sz="1200" b="0" i="0" u="none" strike="noStrike" kern="0" cap="none" spc="0" normalizeH="0" baseline="0" noProof="0" dirty="0">
+                <a:ln>
+                  <a:noFill/>
+                </a:ln>
+                <a:solidFill>
+                  <a:prstClr val="black"/>
+                </a:solidFill>
+                <a:effectLst/>
+                <a:uLnTx/>
+                <a:uFillTx/>
+              </a:endParaRPr>
+            </a:p>
+          </p:txBody>
+        </p:sp>
+      </p:grpSp>
     </p:spTree>
     <p:extLst>
       <p:ext uri="{BB962C8B-B14F-4D97-AF65-F5344CB8AC3E}">
@@ -17530,7 +17666,7 @@
         </p:blipFill>
         <p:spPr>
           <a:xfrm>
-            <a:off x="678832" y="3066413"/>
+            <a:off x="694266" y="3066413"/>
             <a:ext cx="3632352" cy="1005827"/>
           </a:xfrm>
           <a:prstGeom prst="rect">
@@ -17622,6 +17758,96 @@
           <a:xfrm>
             <a:off x="624801" y="4377330"/>
             <a:ext cx="4483370" cy="917737"/>
+          </a:xfrm>
+          <a:prstGeom prst="rect">
+            <a:avLst/>
+          </a:prstGeom>
+          <a:ln w="50800">
+            <a:solidFill>
+              <a:srgbClr val="70AD47">
+                <a:lumMod val="60000"/>
+                <a:lumOff val="40000"/>
+              </a:srgbClr>
+            </a:solidFill>
+          </a:ln>
+          <a:effectLst>
+            <a:outerShdw blurRad="50800" dist="127000" dir="2700000" algn="tl" rotWithShape="0">
+              <a:sysClr val="window" lastClr="FFFFFF">
+                <a:alpha val="40000"/>
+              </a:sysClr>
+            </a:outerShdw>
+          </a:effectLst>
+        </p:spPr>
+      </p:pic>
+      <p:pic>
+        <p:nvPicPr>
+          <p:cNvPr id="6" name="Picture 5">
+            <a:extLst>
+              <a:ext uri="{FF2B5EF4-FFF2-40B4-BE49-F238E27FC236}">
+                <a16:creationId xmlns:a16="http://schemas.microsoft.com/office/drawing/2014/main" id="{E51D5F45-EE45-A5D5-12D9-6B3E18B6A401}"/>
+              </a:ext>
+            </a:extLst>
+          </p:cNvPr>
+          <p:cNvPicPr>
+            <a:picLocks noChangeAspect="1"/>
+          </p:cNvPicPr>
+          <p:nvPr/>
+        </p:nvPicPr>
+        <p:blipFill>
+          <a:blip r:embed="rId6"/>
+          <a:stretch>
+            <a:fillRect/>
+          </a:stretch>
+        </p:blipFill>
+        <p:spPr>
+          <a:xfrm>
+            <a:off x="586323" y="5600157"/>
+            <a:ext cx="7924800" cy="806631"/>
+          </a:xfrm>
+          <a:prstGeom prst="rect">
+            <a:avLst/>
+          </a:prstGeom>
+          <a:ln w="50800">
+            <a:solidFill>
+              <a:srgbClr val="70AD47">
+                <a:lumMod val="60000"/>
+                <a:lumOff val="40000"/>
+              </a:srgbClr>
+            </a:solidFill>
+          </a:ln>
+          <a:effectLst>
+            <a:outerShdw blurRad="50800" dist="127000" dir="2700000" algn="tl" rotWithShape="0">
+              <a:sysClr val="window" lastClr="FFFFFF">
+                <a:alpha val="40000"/>
+              </a:sysClr>
+            </a:outerShdw>
+          </a:effectLst>
+        </p:spPr>
+      </p:pic>
+      <p:pic>
+        <p:nvPicPr>
+          <p:cNvPr id="10" name="Picture 9">
+            <a:extLst>
+              <a:ext uri="{FF2B5EF4-FFF2-40B4-BE49-F238E27FC236}">
+                <a16:creationId xmlns:a16="http://schemas.microsoft.com/office/drawing/2014/main" id="{7693A910-9B6E-2AA1-9E09-F4A0C7B4B0C6}"/>
+              </a:ext>
+            </a:extLst>
+          </p:cNvPr>
+          <p:cNvPicPr>
+            <a:picLocks noChangeAspect="1"/>
+          </p:cNvPicPr>
+          <p:nvPr/>
+        </p:nvPicPr>
+        <p:blipFill>
+          <a:blip r:embed="rId7"/>
+          <a:stretch>
+            <a:fillRect/>
+          </a:stretch>
+        </p:blipFill>
+        <p:spPr>
+          <a:xfrm>
+            <a:off x="4721837" y="3066413"/>
+            <a:ext cx="4056572" cy="1040061"/>
           </a:xfrm>
           <a:prstGeom prst="rect">
             <a:avLst/>
